--- a/WeeklyPresentations/update13_06_17.pptx
+++ b/WeeklyPresentations/update13_06_17.pptx
@@ -8,8 +8,8 @@
     <p:sldId id="256" r:id="rId2"/>
     <p:sldId id="260" r:id="rId3"/>
     <p:sldId id="261" r:id="rId4"/>
-    <p:sldId id="262" r:id="rId5"/>
-    <p:sldId id="263" r:id="rId6"/>
+    <p:sldId id="263" r:id="rId5"/>
+    <p:sldId id="262" r:id="rId6"/>
     <p:sldId id="264" r:id="rId7"/>
     <p:sldId id="258" r:id="rId8"/>
   </p:sldIdLst>
@@ -3511,13 +3511,8 @@
           <a:p>
             <a:r>
               <a:rPr lang="en-US" altLang="zh-CN" dirty="0"/>
-              <a:t>No longer same radix for activations </a:t>
-            </a:r>
-            <a:r>
-              <a:rPr lang="en-US" altLang="zh-CN"/>
-              <a:t>and gradients/weights</a:t>
-            </a:r>
-            <a:endParaRPr lang="en-US" altLang="zh-CN" dirty="0"/>
+              <a:t>No longer same radix for activations and gradients/weights</a:t>
+            </a:r>
           </a:p>
           <a:p>
             <a:pPr lvl="1"/>
@@ -3698,7 +3693,7 @@
           <p:cNvPr id="2" name="Title 1">
             <a:extLst>
               <a:ext uri="{FF2B5EF4-FFF2-40B4-BE49-F238E27FC236}">
-                <a16:creationId xmlns:a16="http://schemas.microsoft.com/office/drawing/2014/main" id="{80B4DC4A-1447-438E-ACDF-6C6BF296C032}"/>
+                <a16:creationId xmlns:a16="http://schemas.microsoft.com/office/drawing/2014/main" id="{C806663C-61D1-4807-897D-38899C5A4A23}"/>
               </a:ext>
             </a:extLst>
           </p:cNvPr>
@@ -3716,7 +3711,23 @@
           <a:p>
             <a:r>
               <a:rPr lang="en-US" altLang="zh-CN" dirty="0"/>
-              <a:t>Report</a:t>
+              <a:t>Report,</a:t>
+            </a:r>
+            <a:r>
+              <a:rPr lang="zh-CN" altLang="en-US" dirty="0"/>
+              <a:t> </a:t>
+            </a:r>
+            <a:r>
+              <a:rPr lang="en-US" altLang="zh-CN" dirty="0"/>
+              <a:t>Results</a:t>
+            </a:r>
+            <a:r>
+              <a:rPr lang="zh-CN" altLang="en-US" dirty="0"/>
+              <a:t> </a:t>
+            </a:r>
+            <a:r>
+              <a:rPr lang="en-US" altLang="zh-CN" dirty="0"/>
+              <a:t>Section</a:t>
             </a:r>
             <a:endParaRPr lang="zh-CN" altLang="en-US" dirty="0"/>
           </a:p>
@@ -3727,7 +3738,7 @@
           <p:cNvPr id="3" name="Content Placeholder 2">
             <a:extLst>
               <a:ext uri="{FF2B5EF4-FFF2-40B4-BE49-F238E27FC236}">
-                <a16:creationId xmlns:a16="http://schemas.microsoft.com/office/drawing/2014/main" id="{F44E5A31-1A7C-4D12-B412-07AFD2685FCA}"/>
+                <a16:creationId xmlns:a16="http://schemas.microsoft.com/office/drawing/2014/main" id="{131B85C2-DD7D-4B7A-893D-C67323E70A7E}"/>
               </a:ext>
             </a:extLst>
           </p:cNvPr>
@@ -3745,16 +3756,50 @@
           <a:p>
             <a:r>
               <a:rPr lang="en-US" altLang="zh-CN" dirty="0"/>
-              <a:t>Rough draft for chapter 2 (background) and chapter 3 (software model) complete</a:t>
-            </a:r>
-          </a:p>
-          <a:p>
+              <a:t>Benchmarks</a:t>
+            </a:r>
+          </a:p>
+          <a:p>
+            <a:pPr lvl="1"/>
+            <a:r>
+              <a:rPr lang="en-US" altLang="zh-CN" dirty="0"/>
+              <a:t>Maximum accuracy attained for the network</a:t>
+            </a:r>
+          </a:p>
+          <a:p>
+            <a:pPr lvl="1"/>
+            <a:r>
+              <a:rPr lang="en-US" altLang="zh-CN" dirty="0"/>
+              <a:t>Timing for training epochs</a:t>
+            </a:r>
+          </a:p>
+          <a:p>
+            <a:pPr lvl="1"/>
+            <a:r>
+              <a:rPr lang="en-US" altLang="zh-CN" dirty="0"/>
+              <a:t>Timing for inference</a:t>
+            </a:r>
+          </a:p>
+          <a:p>
+            <a:pPr lvl="1"/>
+            <a:r>
+              <a:rPr lang="en-US" altLang="zh-CN" dirty="0"/>
+              <a:t>Active cycles vs. </a:t>
+            </a:r>
+            <a:r>
+              <a:rPr lang="en-US" altLang="zh-CN"/>
+              <a:t>idle cycles</a:t>
+            </a:r>
             <a:endParaRPr lang="en-US" altLang="zh-CN" dirty="0"/>
           </a:p>
           <a:p>
+            <a:pPr lvl="1"/>
+            <a:endParaRPr lang="en-US" altLang="zh-CN" dirty="0"/>
+          </a:p>
+          <a:p>
             <a:r>
               <a:rPr lang="en-US" altLang="zh-CN" dirty="0"/>
-              <a:t>Chapter 4 (hardware model) is in progress</a:t>
+              <a:t>Resource usage</a:t>
             </a:r>
           </a:p>
           <a:p>
@@ -3763,25 +3808,8 @@
           <a:p>
             <a:r>
               <a:rPr lang="en-US" altLang="zh-CN" dirty="0"/>
-              <a:t>Question:</a:t>
-            </a:r>
-          </a:p>
-          <a:p>
-            <a:pPr lvl="1"/>
-            <a:r>
-              <a:rPr lang="en-US" altLang="zh-CN" dirty="0"/>
-              <a:t>Should I provide descriptions of the project structure? </a:t>
-            </a:r>
-          </a:p>
-          <a:p>
-            <a:pPr lvl="2"/>
-            <a:r>
-              <a:rPr lang="en-US" altLang="zh-CN" dirty="0"/>
-              <a:t>I have written a brief description of each file in my software model chapter.</a:t>
-            </a:r>
-          </a:p>
-          <a:p>
-            <a:pPr lvl="1"/>
+              <a:t>Implemented design</a:t>
+            </a:r>
             <a:endParaRPr lang="zh-CN" altLang="en-US" dirty="0"/>
           </a:p>
         </p:txBody>
@@ -3789,7 +3817,7 @@
     </p:spTree>
     <p:extLst>
       <p:ext uri="{BB962C8B-B14F-4D97-AF65-F5344CB8AC3E}">
-        <p14:creationId xmlns:p14="http://schemas.microsoft.com/office/powerpoint/2010/main" val="3066401520"/>
+        <p14:creationId xmlns:p14="http://schemas.microsoft.com/office/powerpoint/2010/main" val="4152554290"/>
       </p:ext>
     </p:extLst>
   </p:cSld>
@@ -3821,7 +3849,7 @@
           <p:cNvPr id="2" name="Title 1">
             <a:extLst>
               <a:ext uri="{FF2B5EF4-FFF2-40B4-BE49-F238E27FC236}">
-                <a16:creationId xmlns:a16="http://schemas.microsoft.com/office/drawing/2014/main" id="{C806663C-61D1-4807-897D-38899C5A4A23}"/>
+                <a16:creationId xmlns:a16="http://schemas.microsoft.com/office/drawing/2014/main" id="{80B4DC4A-1447-438E-ACDF-6C6BF296C032}"/>
               </a:ext>
             </a:extLst>
           </p:cNvPr>
@@ -3839,82 +3867,68 @@
           <a:p>
             <a:r>
               <a:rPr lang="en-US" altLang="zh-CN" dirty="0"/>
-              <a:t>Report,</a:t>
-            </a:r>
-            <a:r>
-              <a:rPr lang="zh-CN" altLang="en-US" dirty="0"/>
-              <a:t> </a:t>
-            </a:r>
+              <a:t>Report</a:t>
+            </a:r>
+            <a:endParaRPr lang="zh-CN" altLang="en-US" dirty="0"/>
+          </a:p>
+        </p:txBody>
+      </p:sp>
+      <p:sp>
+        <p:nvSpPr>
+          <p:cNvPr id="3" name="Content Placeholder 2">
+            <a:extLst>
+              <a:ext uri="{FF2B5EF4-FFF2-40B4-BE49-F238E27FC236}">
+                <a16:creationId xmlns:a16="http://schemas.microsoft.com/office/drawing/2014/main" id="{F44E5A31-1A7C-4D12-B412-07AFD2685FCA}"/>
+              </a:ext>
+            </a:extLst>
+          </p:cNvPr>
+          <p:cNvSpPr>
+            <a:spLocks noGrp="1"/>
+          </p:cNvSpPr>
+          <p:nvPr>
+            <p:ph idx="1"/>
+          </p:nvPr>
+        </p:nvSpPr>
+        <p:spPr/>
+        <p:txBody>
+          <a:bodyPr/>
+          <a:lstStyle/>
+          <a:p>
             <a:r>
               <a:rPr lang="en-US" altLang="zh-CN" dirty="0"/>
-              <a:t>Results</a:t>
-            </a:r>
-            <a:r>
-              <a:rPr lang="zh-CN" altLang="en-US" dirty="0"/>
-              <a:t> </a:t>
-            </a:r>
+              <a:t>Rough draft for chapter 2 (background) and chapter 3 (software model) complete</a:t>
+            </a:r>
+          </a:p>
+          <a:p>
+            <a:endParaRPr lang="en-US" altLang="zh-CN" dirty="0"/>
+          </a:p>
+          <a:p>
             <a:r>
               <a:rPr lang="en-US" altLang="zh-CN" dirty="0"/>
-              <a:t>Section</a:t>
-            </a:r>
-            <a:endParaRPr lang="zh-CN" altLang="en-US" dirty="0"/>
-          </a:p>
-        </p:txBody>
-      </p:sp>
-      <p:sp>
-        <p:nvSpPr>
-          <p:cNvPr id="3" name="Content Placeholder 2">
-            <a:extLst>
-              <a:ext uri="{FF2B5EF4-FFF2-40B4-BE49-F238E27FC236}">
-                <a16:creationId xmlns:a16="http://schemas.microsoft.com/office/drawing/2014/main" id="{131B85C2-DD7D-4B7A-893D-C67323E70A7E}"/>
-              </a:ext>
-            </a:extLst>
-          </p:cNvPr>
-          <p:cNvSpPr>
-            <a:spLocks noGrp="1"/>
-          </p:cNvSpPr>
-          <p:nvPr>
-            <p:ph idx="1"/>
-          </p:nvPr>
-        </p:nvSpPr>
-        <p:spPr/>
-        <p:txBody>
-          <a:bodyPr/>
-          <a:lstStyle/>
+              <a:t>Chapter 4 (hardware model) is in progress</a:t>
+            </a:r>
+          </a:p>
+          <a:p>
+            <a:endParaRPr lang="en-US" altLang="zh-CN" dirty="0"/>
+          </a:p>
           <a:p>
             <a:r>
               <a:rPr lang="en-US" altLang="zh-CN" dirty="0"/>
-              <a:t>Results section:</a:t>
-            </a:r>
-          </a:p>
-          <a:p>
-            <a:endParaRPr lang="en-US" altLang="zh-CN" dirty="0"/>
-          </a:p>
-          <a:p>
+              <a:t>Question:</a:t>
+            </a:r>
+          </a:p>
+          <a:p>
+            <a:pPr lvl="1"/>
             <a:r>
               <a:rPr lang="en-US" altLang="zh-CN" dirty="0"/>
-              <a:t>Benchmarks</a:t>
-            </a:r>
-          </a:p>
-          <a:p>
-            <a:pPr lvl="1"/>
+              <a:t>Should I provide descriptions of the project structure? </a:t>
+            </a:r>
+          </a:p>
+          <a:p>
+            <a:pPr lvl="2"/>
             <a:r>
               <a:rPr lang="en-US" altLang="zh-CN" dirty="0"/>
-              <a:t>Maximum accuracy attained for the network</a:t>
-            </a:r>
-          </a:p>
-          <a:p>
-            <a:pPr lvl="1"/>
-            <a:r>
-              <a:rPr lang="en-US" altLang="zh-CN" dirty="0"/>
-              <a:t>Timing for training epochs</a:t>
-            </a:r>
-          </a:p>
-          <a:p>
-            <a:pPr lvl="1"/>
-            <a:r>
-              <a:rPr lang="en-US" altLang="zh-CN" dirty="0"/>
-              <a:t>Timing for inference</a:t>
+              <a:t>I have written a brief description of each file in my software model chapter.</a:t>
             </a:r>
           </a:p>
           <a:p>
@@ -3922,10 +3936,7 @@
             <a:endParaRPr lang="en-US" altLang="zh-CN" dirty="0"/>
           </a:p>
           <a:p>
-            <a:r>
-              <a:rPr lang="en-US" altLang="zh-CN" dirty="0"/>
-              <a:t>Resource usage</a:t>
-            </a:r>
+            <a:pPr lvl="1"/>
             <a:endParaRPr lang="zh-CN" altLang="en-US" dirty="0"/>
           </a:p>
         </p:txBody>
@@ -3933,7 +3944,7 @@
     </p:spTree>
     <p:extLst>
       <p:ext uri="{BB962C8B-B14F-4D97-AF65-F5344CB8AC3E}">
-        <p14:creationId xmlns:p14="http://schemas.microsoft.com/office/powerpoint/2010/main" val="4152554290"/>
+        <p14:creationId xmlns:p14="http://schemas.microsoft.com/office/powerpoint/2010/main" val="3066401520"/>
       </p:ext>
     </p:extLst>
   </p:cSld>

--- a/WeeklyPresentations/update13_06_17.pptx
+++ b/WeeklyPresentations/update13_06_17.pptx
@@ -8,10 +8,11 @@
     <p:sldId id="256" r:id="rId2"/>
     <p:sldId id="260" r:id="rId3"/>
     <p:sldId id="261" r:id="rId4"/>
-    <p:sldId id="263" r:id="rId5"/>
-    <p:sldId id="262" r:id="rId6"/>
-    <p:sldId id="264" r:id="rId7"/>
-    <p:sldId id="258" r:id="rId8"/>
+    <p:sldId id="265" r:id="rId5"/>
+    <p:sldId id="263" r:id="rId6"/>
+    <p:sldId id="262" r:id="rId7"/>
+    <p:sldId id="264" r:id="rId8"/>
+    <p:sldId id="258" r:id="rId9"/>
   </p:sldIdLst>
   <p:sldSz cx="12192000" cy="6858000"/>
   <p:notesSz cx="6858000" cy="9144000"/>
@@ -266,7 +267,7 @@
             <a:fld id="{B61BEF0D-F0BB-DE4B-95CE-6DB70DBA9567}" type="datetimeFigureOut">
               <a:rPr lang="en-US" smtClean="0"/>
               <a:pPr/>
-              <a:t>6/16/2019</a:t>
+              <a:t>6/17/2019</a:t>
             </a:fld>
             <a:endParaRPr lang="en-US" dirty="0"/>
           </a:p>
@@ -466,7 +467,7 @@
             <a:fld id="{B61BEF0D-F0BB-DE4B-95CE-6DB70DBA9567}" type="datetimeFigureOut">
               <a:rPr lang="en-US" smtClean="0"/>
               <a:pPr/>
-              <a:t>6/16/2019</a:t>
+              <a:t>6/17/2019</a:t>
             </a:fld>
             <a:endParaRPr lang="en-US" dirty="0"/>
           </a:p>
@@ -676,7 +677,7 @@
             <a:fld id="{B61BEF0D-F0BB-DE4B-95CE-6DB70DBA9567}" type="datetimeFigureOut">
               <a:rPr lang="en-US" smtClean="0"/>
               <a:pPr/>
-              <a:t>6/16/2019</a:t>
+              <a:t>6/17/2019</a:t>
             </a:fld>
             <a:endParaRPr lang="en-US" dirty="0"/>
           </a:p>
@@ -876,7 +877,7 @@
             <a:fld id="{B61BEF0D-F0BB-DE4B-95CE-6DB70DBA9567}" type="datetimeFigureOut">
               <a:rPr lang="en-US" smtClean="0"/>
               <a:pPr/>
-              <a:t>6/16/2019</a:t>
+              <a:t>6/17/2019</a:t>
             </a:fld>
             <a:endParaRPr lang="en-US" dirty="0"/>
           </a:p>
@@ -1153,7 +1154,7 @@
             <a:fld id="{B61BEF0D-F0BB-DE4B-95CE-6DB70DBA9567}" type="datetimeFigureOut">
               <a:rPr lang="en-US" smtClean="0"/>
               <a:pPr/>
-              <a:t>6/16/2019</a:t>
+              <a:t>6/17/2019</a:t>
             </a:fld>
             <a:endParaRPr lang="en-US" dirty="0"/>
           </a:p>
@@ -1420,7 +1421,7 @@
             <a:fld id="{B61BEF0D-F0BB-DE4B-95CE-6DB70DBA9567}" type="datetimeFigureOut">
               <a:rPr lang="en-US" smtClean="0"/>
               <a:pPr/>
-              <a:t>6/16/2019</a:t>
+              <a:t>6/17/2019</a:t>
             </a:fld>
             <a:endParaRPr lang="en-US" dirty="0"/>
           </a:p>
@@ -1834,7 +1835,7 @@
             <a:fld id="{B61BEF0D-F0BB-DE4B-95CE-6DB70DBA9567}" type="datetimeFigureOut">
               <a:rPr lang="en-US" smtClean="0"/>
               <a:pPr/>
-              <a:t>6/16/2019</a:t>
+              <a:t>6/17/2019</a:t>
             </a:fld>
             <a:endParaRPr lang="en-US" dirty="0"/>
           </a:p>
@@ -1977,7 +1978,7 @@
             <a:fld id="{B61BEF0D-F0BB-DE4B-95CE-6DB70DBA9567}" type="datetimeFigureOut">
               <a:rPr lang="en-US" smtClean="0"/>
               <a:pPr/>
-              <a:t>6/16/2019</a:t>
+              <a:t>6/17/2019</a:t>
             </a:fld>
             <a:endParaRPr lang="en-US" dirty="0"/>
           </a:p>
@@ -2092,7 +2093,7 @@
             <a:fld id="{B61BEF0D-F0BB-DE4B-95CE-6DB70DBA9567}" type="datetimeFigureOut">
               <a:rPr lang="en-US" smtClean="0"/>
               <a:pPr/>
-              <a:t>6/16/2019</a:t>
+              <a:t>6/17/2019</a:t>
             </a:fld>
             <a:endParaRPr lang="en-US" dirty="0"/>
           </a:p>
@@ -2405,7 +2406,7 @@
             <a:fld id="{B61BEF0D-F0BB-DE4B-95CE-6DB70DBA9567}" type="datetimeFigureOut">
               <a:rPr lang="en-US" smtClean="0"/>
               <a:pPr/>
-              <a:t>6/16/2019</a:t>
+              <a:t>6/17/2019</a:t>
             </a:fld>
             <a:endParaRPr lang="en-US" dirty="0"/>
           </a:p>
@@ -2695,7 +2696,7 @@
             <a:fld id="{B61BEF0D-F0BB-DE4B-95CE-6DB70DBA9567}" type="datetimeFigureOut">
               <a:rPr lang="en-US" smtClean="0"/>
               <a:pPr/>
-              <a:t>6/16/2019</a:t>
+              <a:t>6/17/2019</a:t>
             </a:fld>
             <a:endParaRPr lang="en-US" dirty="0"/>
           </a:p>
@@ -2938,7 +2939,7 @@
             <a:fld id="{B61BEF0D-F0BB-DE4B-95CE-6DB70DBA9567}" type="datetimeFigureOut">
               <a:rPr lang="en-US" smtClean="0"/>
               <a:pPr/>
-              <a:t>6/16/2019</a:t>
+              <a:t>6/17/2019</a:t>
             </a:fld>
             <a:endParaRPr lang="en-US" dirty="0"/>
           </a:p>
@@ -3620,20 +3621,22 @@
           <a:p>
             <a:r>
               <a:rPr lang="en-US" altLang="zh-CN" dirty="0"/>
-              <a:t>Training is now stable, but haven’t able to get more than 85% on the entire MNIST dataset, due to precision</a:t>
-            </a:r>
-          </a:p>
-          <a:p>
-            <a:endParaRPr lang="en-US" altLang="zh-CN" dirty="0"/>
-          </a:p>
-          <a:p>
+              <a:t>Training is now </a:t>
+            </a:r>
+            <a:r>
+              <a:rPr lang="en-US" altLang="zh-CN" dirty="0" err="1"/>
+              <a:t>stabler</a:t>
+            </a:r>
             <a:r>
               <a:rPr lang="en-US" altLang="zh-CN" dirty="0"/>
-              <a:t>On small datasets, can learn perfectly the dataset</a:t>
-            </a:r>
-          </a:p>
-          <a:p>
-            <a:endParaRPr lang="en-US" altLang="zh-CN" dirty="0"/>
+              <a:t>, but haven’t able to get more than 85% on the entire MNIST dataset, due to precision</a:t>
+            </a:r>
+          </a:p>
+          <a:p>
+            <a:r>
+              <a:rPr lang="en-US" altLang="zh-CN" dirty="0"/>
+              <a:t>On small datasets, can perfectly learn the dataset</a:t>
+            </a:r>
           </a:p>
           <a:p>
             <a:r>
@@ -3658,6 +3661,36 @@
           </a:p>
         </p:txBody>
       </p:sp>
+      <p:pic>
+        <p:nvPicPr>
+          <p:cNvPr id="4" name="Picture 3">
+            <a:extLst>
+              <a:ext uri="{FF2B5EF4-FFF2-40B4-BE49-F238E27FC236}">
+                <a16:creationId xmlns:a16="http://schemas.microsoft.com/office/drawing/2014/main" id="{ABF362B5-C087-4C0D-B575-D6324F1F0C0D}"/>
+              </a:ext>
+            </a:extLst>
+          </p:cNvPr>
+          <p:cNvPicPr>
+            <a:picLocks noChangeAspect="1"/>
+          </p:cNvPicPr>
+          <p:nvPr/>
+        </p:nvPicPr>
+        <p:blipFill>
+          <a:blip r:embed="rId2"/>
+          <a:stretch>
+            <a:fillRect/>
+          </a:stretch>
+        </p:blipFill>
+        <p:spPr>
+          <a:xfrm>
+            <a:off x="7852528" y="4684177"/>
+            <a:ext cx="4339472" cy="2173823"/>
+          </a:xfrm>
+          <a:prstGeom prst="rect">
+            <a:avLst/>
+          </a:prstGeom>
+        </p:spPr>
+      </p:pic>
     </p:spTree>
     <p:extLst>
       <p:ext uri="{BB962C8B-B14F-4D97-AF65-F5344CB8AC3E}">
@@ -3693,7 +3726,7 @@
           <p:cNvPr id="2" name="Title 1">
             <a:extLst>
               <a:ext uri="{FF2B5EF4-FFF2-40B4-BE49-F238E27FC236}">
-                <a16:creationId xmlns:a16="http://schemas.microsoft.com/office/drawing/2014/main" id="{C806663C-61D1-4807-897D-38899C5A4A23}"/>
+                <a16:creationId xmlns:a16="http://schemas.microsoft.com/office/drawing/2014/main" id="{0EDF1F0A-CAB8-47B0-B674-C0B9221C8002}"/>
               </a:ext>
             </a:extLst>
           </p:cNvPr>
@@ -3711,105 +3744,65 @@
           <a:p>
             <a:r>
               <a:rPr lang="en-US" altLang="zh-CN" dirty="0"/>
-              <a:t>Report,</a:t>
-            </a:r>
-            <a:r>
-              <a:rPr lang="zh-CN" altLang="en-US" dirty="0"/>
-              <a:t> </a:t>
-            </a:r>
+              <a:t>Training</a:t>
+            </a:r>
+            <a:endParaRPr lang="zh-CN" altLang="en-US" dirty="0"/>
+          </a:p>
+        </p:txBody>
+      </p:sp>
+      <p:sp>
+        <p:nvSpPr>
+          <p:cNvPr id="3" name="Content Placeholder 2">
+            <a:extLst>
+              <a:ext uri="{FF2B5EF4-FFF2-40B4-BE49-F238E27FC236}">
+                <a16:creationId xmlns:a16="http://schemas.microsoft.com/office/drawing/2014/main" id="{E098B120-108B-45D4-ACD1-1E33114A838C}"/>
+              </a:ext>
+            </a:extLst>
+          </p:cNvPr>
+          <p:cNvSpPr>
+            <a:spLocks noGrp="1"/>
+          </p:cNvSpPr>
+          <p:nvPr>
+            <p:ph idx="1"/>
+          </p:nvPr>
+        </p:nvSpPr>
+        <p:spPr/>
+        <p:txBody>
+          <a:bodyPr/>
+          <a:lstStyle/>
+          <a:p>
             <a:r>
               <a:rPr lang="en-US" altLang="zh-CN" dirty="0"/>
-              <a:t>Results</a:t>
-            </a:r>
-            <a:r>
-              <a:rPr lang="zh-CN" altLang="en-US" dirty="0"/>
-              <a:t> </a:t>
-            </a:r>
+              <a:t>Tradeoff:</a:t>
+            </a:r>
+          </a:p>
+          <a:p>
+            <a:pPr lvl="1"/>
             <a:r>
               <a:rPr lang="en-US" altLang="zh-CN" dirty="0"/>
-              <a:t>Section</a:t>
-            </a:r>
-            <a:endParaRPr lang="zh-CN" altLang="en-US" dirty="0"/>
-          </a:p>
-        </p:txBody>
-      </p:sp>
-      <p:sp>
-        <p:nvSpPr>
-          <p:cNvPr id="3" name="Content Placeholder 2">
-            <a:extLst>
-              <a:ext uri="{FF2B5EF4-FFF2-40B4-BE49-F238E27FC236}">
-                <a16:creationId xmlns:a16="http://schemas.microsoft.com/office/drawing/2014/main" id="{131B85C2-DD7D-4B7A-893D-C67323E70A7E}"/>
-              </a:ext>
-            </a:extLst>
-          </p:cNvPr>
-          <p:cNvSpPr>
-            <a:spLocks noGrp="1"/>
-          </p:cNvSpPr>
-          <p:nvPr>
-            <p:ph idx="1"/>
-          </p:nvPr>
-        </p:nvSpPr>
-        <p:spPr/>
-        <p:txBody>
-          <a:bodyPr/>
-          <a:lstStyle/>
-          <a:p>
+              <a:t>High learning rate with low batch size is generally unstable, but it means I can keep more bits of data from the gradient</a:t>
+            </a:r>
+          </a:p>
+          <a:p>
+            <a:pPr lvl="1"/>
             <a:r>
               <a:rPr lang="en-US" altLang="zh-CN" dirty="0"/>
-              <a:t>Benchmarks</a:t>
+              <a:t>Low learning rate with low batch size is ideal, but I have to shift so many bits of data out that I lose my precision</a:t>
             </a:r>
           </a:p>
           <a:p>
             <a:pPr lvl="1"/>
             <a:r>
               <a:rPr lang="en-US" altLang="zh-CN" dirty="0"/>
-              <a:t>Maximum accuracy attained for the network</a:t>
-            </a:r>
-          </a:p>
-          <a:p>
-            <a:pPr lvl="1"/>
-            <a:r>
-              <a:rPr lang="en-US" altLang="zh-CN" dirty="0"/>
-              <a:t>Timing for training epochs</a:t>
-            </a:r>
-          </a:p>
-          <a:p>
-            <a:pPr lvl="1"/>
-            <a:r>
-              <a:rPr lang="en-US" altLang="zh-CN" dirty="0"/>
-              <a:t>Timing for inference</a:t>
-            </a:r>
-          </a:p>
-          <a:p>
-            <a:pPr lvl="1"/>
-            <a:r>
-              <a:rPr lang="en-US" altLang="zh-CN" dirty="0"/>
-              <a:t>Active cycles vs. </a:t>
-            </a:r>
-            <a:r>
-              <a:rPr lang="en-US" altLang="zh-CN"/>
-              <a:t>idle cycles</a:t>
-            </a:r>
-            <a:endParaRPr lang="en-US" altLang="zh-CN" dirty="0"/>
+              <a:t>Have had to find a balance of learning rate vs. precision to maximize the results of training</a:t>
+            </a:r>
           </a:p>
           <a:p>
             <a:pPr lvl="1"/>
             <a:endParaRPr lang="en-US" altLang="zh-CN" dirty="0"/>
           </a:p>
           <a:p>
-            <a:r>
-              <a:rPr lang="en-US" altLang="zh-CN" dirty="0"/>
-              <a:t>Resource usage</a:t>
-            </a:r>
-          </a:p>
-          <a:p>
-            <a:endParaRPr lang="en-US" altLang="zh-CN" dirty="0"/>
-          </a:p>
-          <a:p>
-            <a:r>
-              <a:rPr lang="en-US" altLang="zh-CN" dirty="0"/>
-              <a:t>Implemented design</a:t>
-            </a:r>
+            <a:pPr lvl="1"/>
             <a:endParaRPr lang="zh-CN" altLang="en-US" dirty="0"/>
           </a:p>
         </p:txBody>
@@ -3817,7 +3810,7 @@
     </p:spTree>
     <p:extLst>
       <p:ext uri="{BB962C8B-B14F-4D97-AF65-F5344CB8AC3E}">
-        <p14:creationId xmlns:p14="http://schemas.microsoft.com/office/powerpoint/2010/main" val="4152554290"/>
+        <p14:creationId xmlns:p14="http://schemas.microsoft.com/office/powerpoint/2010/main" val="2276500789"/>
       </p:ext>
     </p:extLst>
   </p:cSld>
@@ -3849,7 +3842,7 @@
           <p:cNvPr id="2" name="Title 1">
             <a:extLst>
               <a:ext uri="{FF2B5EF4-FFF2-40B4-BE49-F238E27FC236}">
-                <a16:creationId xmlns:a16="http://schemas.microsoft.com/office/drawing/2014/main" id="{80B4DC4A-1447-438E-ACDF-6C6BF296C032}"/>
+                <a16:creationId xmlns:a16="http://schemas.microsoft.com/office/drawing/2014/main" id="{C806663C-61D1-4807-897D-38899C5A4A23}"/>
               </a:ext>
             </a:extLst>
           </p:cNvPr>
@@ -3867,7 +3860,23 @@
           <a:p>
             <a:r>
               <a:rPr lang="en-US" altLang="zh-CN" dirty="0"/>
-              <a:t>Report</a:t>
+              <a:t>Report,</a:t>
+            </a:r>
+            <a:r>
+              <a:rPr lang="zh-CN" altLang="en-US" dirty="0"/>
+              <a:t> </a:t>
+            </a:r>
+            <a:r>
+              <a:rPr lang="en-US" altLang="zh-CN" dirty="0"/>
+              <a:t>Results</a:t>
+            </a:r>
+            <a:r>
+              <a:rPr lang="zh-CN" altLang="en-US" dirty="0"/>
+              <a:t> </a:t>
+            </a:r>
+            <a:r>
+              <a:rPr lang="en-US" altLang="zh-CN" dirty="0"/>
+              <a:t>Section</a:t>
             </a:r>
             <a:endParaRPr lang="zh-CN" altLang="en-US" dirty="0"/>
           </a:p>
@@ -3878,7 +3887,7 @@
           <p:cNvPr id="3" name="Content Placeholder 2">
             <a:extLst>
               <a:ext uri="{FF2B5EF4-FFF2-40B4-BE49-F238E27FC236}">
-                <a16:creationId xmlns:a16="http://schemas.microsoft.com/office/drawing/2014/main" id="{F44E5A31-1A7C-4D12-B412-07AFD2685FCA}"/>
+                <a16:creationId xmlns:a16="http://schemas.microsoft.com/office/drawing/2014/main" id="{131B85C2-DD7D-4B7A-893D-C67323E70A7E}"/>
               </a:ext>
             </a:extLst>
           </p:cNvPr>
@@ -3891,44 +3900,49 @@
         </p:nvSpPr>
         <p:spPr/>
         <p:txBody>
-          <a:bodyPr/>
+          <a:bodyPr>
+            <a:normAutofit lnSpcReduction="10000"/>
+          </a:bodyPr>
           <a:lstStyle/>
           <a:p>
             <a:r>
               <a:rPr lang="en-US" altLang="zh-CN" dirty="0"/>
-              <a:t>Rough draft for chapter 2 (background) and chapter 3 (software model) complete</a:t>
-            </a:r>
-          </a:p>
-          <a:p>
-            <a:endParaRPr lang="en-US" altLang="zh-CN" dirty="0"/>
-          </a:p>
-          <a:p>
+              <a:t>Benchmarks</a:t>
+            </a:r>
+          </a:p>
+          <a:p>
+            <a:pPr lvl="1"/>
             <a:r>
               <a:rPr lang="en-US" altLang="zh-CN" dirty="0"/>
-              <a:t>Chapter 4 (hardware model) is in progress</a:t>
-            </a:r>
-          </a:p>
-          <a:p>
-            <a:endParaRPr lang="en-US" altLang="zh-CN" dirty="0"/>
-          </a:p>
-          <a:p>
+              <a:t>Maximum accuracy attained for the network</a:t>
+            </a:r>
+          </a:p>
+          <a:p>
+            <a:pPr lvl="1"/>
             <a:r>
               <a:rPr lang="en-US" altLang="zh-CN" dirty="0"/>
-              <a:t>Question:</a:t>
+              <a:t>Timing for training epochs</a:t>
             </a:r>
           </a:p>
           <a:p>
             <a:pPr lvl="1"/>
             <a:r>
               <a:rPr lang="en-US" altLang="zh-CN" dirty="0"/>
-              <a:t>Should I provide descriptions of the project structure? </a:t>
-            </a:r>
-          </a:p>
-          <a:p>
-            <a:pPr lvl="2"/>
+              <a:t>Timing for inference</a:t>
+            </a:r>
+          </a:p>
+          <a:p>
+            <a:pPr lvl="1"/>
             <a:r>
               <a:rPr lang="en-US" altLang="zh-CN" dirty="0"/>
-              <a:t>I have written a brief description of each file in my software model chapter.</a:t>
+              <a:t>Active cycles vs. idle cycles</a:t>
+            </a:r>
+          </a:p>
+          <a:p>
+            <a:pPr lvl="1"/>
+            <a:r>
+              <a:rPr lang="en-US" altLang="zh-CN" dirty="0"/>
+              <a:t>Cycle analysis (for timing)</a:t>
             </a:r>
           </a:p>
           <a:p>
@@ -3936,7 +3950,19 @@
             <a:endParaRPr lang="en-US" altLang="zh-CN" dirty="0"/>
           </a:p>
           <a:p>
-            <a:pPr lvl="1"/>
+            <a:r>
+              <a:rPr lang="en-US" altLang="zh-CN" dirty="0"/>
+              <a:t>Resource usage</a:t>
+            </a:r>
+          </a:p>
+          <a:p>
+            <a:endParaRPr lang="en-US" altLang="zh-CN" dirty="0"/>
+          </a:p>
+          <a:p>
+            <a:r>
+              <a:rPr lang="en-US" altLang="zh-CN" dirty="0"/>
+              <a:t>Implemented design</a:t>
+            </a:r>
             <a:endParaRPr lang="zh-CN" altLang="en-US" dirty="0"/>
           </a:p>
         </p:txBody>
@@ -3944,7 +3970,7 @@
     </p:spTree>
     <p:extLst>
       <p:ext uri="{BB962C8B-B14F-4D97-AF65-F5344CB8AC3E}">
-        <p14:creationId xmlns:p14="http://schemas.microsoft.com/office/powerpoint/2010/main" val="3066401520"/>
+        <p14:creationId xmlns:p14="http://schemas.microsoft.com/office/powerpoint/2010/main" val="4152554290"/>
       </p:ext>
     </p:extLst>
   </p:cSld>
@@ -3976,6 +4002,133 @@
           <p:cNvPr id="2" name="Title 1">
             <a:extLst>
               <a:ext uri="{FF2B5EF4-FFF2-40B4-BE49-F238E27FC236}">
+                <a16:creationId xmlns:a16="http://schemas.microsoft.com/office/drawing/2014/main" id="{80B4DC4A-1447-438E-ACDF-6C6BF296C032}"/>
+              </a:ext>
+            </a:extLst>
+          </p:cNvPr>
+          <p:cNvSpPr>
+            <a:spLocks noGrp="1"/>
+          </p:cNvSpPr>
+          <p:nvPr>
+            <p:ph type="title"/>
+          </p:nvPr>
+        </p:nvSpPr>
+        <p:spPr/>
+        <p:txBody>
+          <a:bodyPr/>
+          <a:lstStyle/>
+          <a:p>
+            <a:r>
+              <a:rPr lang="en-US" altLang="zh-CN" dirty="0"/>
+              <a:t>Report</a:t>
+            </a:r>
+            <a:endParaRPr lang="zh-CN" altLang="en-US" dirty="0"/>
+          </a:p>
+        </p:txBody>
+      </p:sp>
+      <p:sp>
+        <p:nvSpPr>
+          <p:cNvPr id="3" name="Content Placeholder 2">
+            <a:extLst>
+              <a:ext uri="{FF2B5EF4-FFF2-40B4-BE49-F238E27FC236}">
+                <a16:creationId xmlns:a16="http://schemas.microsoft.com/office/drawing/2014/main" id="{F44E5A31-1A7C-4D12-B412-07AFD2685FCA}"/>
+              </a:ext>
+            </a:extLst>
+          </p:cNvPr>
+          <p:cNvSpPr>
+            <a:spLocks noGrp="1"/>
+          </p:cNvSpPr>
+          <p:nvPr>
+            <p:ph idx="1"/>
+          </p:nvPr>
+        </p:nvSpPr>
+        <p:spPr/>
+        <p:txBody>
+          <a:bodyPr/>
+          <a:lstStyle/>
+          <a:p>
+            <a:r>
+              <a:rPr lang="en-US" altLang="zh-CN" dirty="0"/>
+              <a:t>Rough draft for chapter 2 (background) and chapter 3 (software model) complete</a:t>
+            </a:r>
+          </a:p>
+          <a:p>
+            <a:endParaRPr lang="en-US" altLang="zh-CN" dirty="0"/>
+          </a:p>
+          <a:p>
+            <a:r>
+              <a:rPr lang="en-US" altLang="zh-CN" dirty="0"/>
+              <a:t>Chapter 4 (hardware model) is in progress</a:t>
+            </a:r>
+          </a:p>
+          <a:p>
+            <a:endParaRPr lang="en-US" altLang="zh-CN" dirty="0"/>
+          </a:p>
+          <a:p>
+            <a:r>
+              <a:rPr lang="en-US" altLang="zh-CN" dirty="0"/>
+              <a:t>Question:</a:t>
+            </a:r>
+          </a:p>
+          <a:p>
+            <a:pPr lvl="1"/>
+            <a:r>
+              <a:rPr lang="en-US" altLang="zh-CN" dirty="0"/>
+              <a:t>Should I provide descriptions of the project structure? </a:t>
+            </a:r>
+          </a:p>
+          <a:p>
+            <a:pPr lvl="2"/>
+            <a:r>
+              <a:rPr lang="en-US" altLang="zh-CN" dirty="0"/>
+              <a:t>I have written a brief description of each file in my software model chapter.</a:t>
+            </a:r>
+          </a:p>
+          <a:p>
+            <a:pPr lvl="1"/>
+            <a:endParaRPr lang="en-US" altLang="zh-CN" dirty="0"/>
+          </a:p>
+          <a:p>
+            <a:pPr lvl="1"/>
+            <a:endParaRPr lang="zh-CN" altLang="en-US" dirty="0"/>
+          </a:p>
+        </p:txBody>
+      </p:sp>
+    </p:spTree>
+    <p:extLst>
+      <p:ext uri="{BB962C8B-B14F-4D97-AF65-F5344CB8AC3E}">
+        <p14:creationId xmlns:p14="http://schemas.microsoft.com/office/powerpoint/2010/main" val="3066401520"/>
+      </p:ext>
+    </p:extLst>
+  </p:cSld>
+  <p:clrMapOvr>
+    <a:masterClrMapping/>
+  </p:clrMapOvr>
+</p:sld>
+</file>
+
+<file path=ppt/slides/slide7.xml><?xml version="1.0" encoding="utf-8"?>
+<p:sld xmlns:a="http://schemas.openxmlformats.org/drawingml/2006/main" xmlns:r="http://schemas.openxmlformats.org/officeDocument/2006/relationships" xmlns:p="http://schemas.openxmlformats.org/presentationml/2006/main">
+  <p:cSld>
+    <p:spTree>
+      <p:nvGrpSpPr>
+        <p:cNvPr id="1" name=""/>
+        <p:cNvGrpSpPr/>
+        <p:nvPr/>
+      </p:nvGrpSpPr>
+      <p:grpSpPr>
+        <a:xfrm>
+          <a:off x="0" y="0"/>
+          <a:ext cx="0" cy="0"/>
+          <a:chOff x="0" y="0"/>
+          <a:chExt cx="0" cy="0"/>
+        </a:xfrm>
+      </p:grpSpPr>
+      <p:sp>
+        <p:nvSpPr>
+          <p:cNvPr id="2" name="Title 1">
+            <a:extLst>
+              <a:ext uri="{FF2B5EF4-FFF2-40B4-BE49-F238E27FC236}">
                 <a16:creationId xmlns:a16="http://schemas.microsoft.com/office/drawing/2014/main" id="{0B9BAD8E-F636-4EFF-BF8C-F193D01F8F1F}"/>
               </a:ext>
             </a:extLst>
@@ -4079,7 +4232,7 @@
 </p:sld>
 </file>
 
-<file path=ppt/slides/slide7.xml><?xml version="1.0" encoding="utf-8"?>
+<file path=ppt/slides/slide8.xml><?xml version="1.0" encoding="utf-8"?>
 <p:sld xmlns:a="http://schemas.openxmlformats.org/drawingml/2006/main" xmlns:r="http://schemas.openxmlformats.org/officeDocument/2006/relationships" xmlns:p="http://schemas.openxmlformats.org/presentationml/2006/main">
   <p:cSld>
     <p:spTree>
